--- a/Matches/00Action Pistol - ISA - February 2021/John stage 1.pptx
+++ b/Matches/00Action Pistol - ISA - February 2021/John stage 1.pptx
@@ -258,7 +258,7 @@
               <a:pPr>
                 <a:defRPr/>
               </a:pPr>
-              <a:t>3/10/20</a:t>
+              <a:t>3/22/21</a:t>
             </a:fld>
             <a:endParaRPr lang="en-US"/>
           </a:p>
@@ -13234,308 +13234,6 @@
       </p:grpSp>
       <p:sp>
         <p:nvSpPr>
-          <p:cNvPr id="159" name="Rectangle 9">
-            <a:extLst>
-              <a:ext uri="{FF2B5EF4-FFF2-40B4-BE49-F238E27FC236}">
-                <a16:creationId xmlns:a16="http://schemas.microsoft.com/office/drawing/2014/main" id="{18D60D4E-8EB6-534B-8B80-F43993AF1F04}"/>
-              </a:ext>
-            </a:extLst>
-          </p:cNvPr>
-          <p:cNvSpPr>
-            <a:spLocks noChangeArrowheads="1"/>
-          </p:cNvSpPr>
-          <p:nvPr/>
-        </p:nvSpPr>
-        <p:spPr bwMode="auto">
-          <a:xfrm>
-            <a:off x="-4114800" y="2649845"/>
-            <a:ext cx="588963" cy="1212850"/>
-          </a:xfrm>
-          <a:prstGeom prst="rect">
-            <a:avLst/>
-          </a:prstGeom>
-          <a:solidFill>
-            <a:schemeClr val="accent1">
-              <a:alpha val="50195"/>
-            </a:schemeClr>
-          </a:solidFill>
-          <a:ln w="9525">
-            <a:solidFill>
-              <a:schemeClr val="tx1"/>
-            </a:solidFill>
-            <a:miter lim="800000"/>
-            <a:headEnd/>
-            <a:tailEnd/>
-          </a:ln>
-        </p:spPr>
-        <p:txBody>
-          <a:bodyPr wrap="none" anchor="ctr"/>
-          <a:lstStyle>
-            <a:lvl1pPr eaLnBrk="0" hangingPunct="0">
-              <a:defRPr>
-                <a:solidFill>
-                  <a:schemeClr val="tx1"/>
-                </a:solidFill>
-                <a:latin typeface="Arial" panose="020B0604020202020204" pitchFamily="34" charset="0"/>
-                <a:ea typeface="ＭＳ Ｐゴシック" panose="020B0600070205080204" pitchFamily="34" charset="-128"/>
-              </a:defRPr>
-            </a:lvl1pPr>
-            <a:lvl2pPr marL="742950" indent="-285750" eaLnBrk="0" hangingPunct="0">
-              <a:defRPr>
-                <a:solidFill>
-                  <a:schemeClr val="tx1"/>
-                </a:solidFill>
-                <a:latin typeface="Arial" panose="020B0604020202020204" pitchFamily="34" charset="0"/>
-                <a:ea typeface="ＭＳ Ｐゴシック" panose="020B0600070205080204" pitchFamily="34" charset="-128"/>
-              </a:defRPr>
-            </a:lvl2pPr>
-            <a:lvl3pPr marL="1143000" indent="-228600" eaLnBrk="0" hangingPunct="0">
-              <a:defRPr>
-                <a:solidFill>
-                  <a:schemeClr val="tx1"/>
-                </a:solidFill>
-                <a:latin typeface="Arial" panose="020B0604020202020204" pitchFamily="34" charset="0"/>
-                <a:ea typeface="ＭＳ Ｐゴシック" panose="020B0600070205080204" pitchFamily="34" charset="-128"/>
-              </a:defRPr>
-            </a:lvl3pPr>
-            <a:lvl4pPr marL="1600200" indent="-228600" eaLnBrk="0" hangingPunct="0">
-              <a:defRPr>
-                <a:solidFill>
-                  <a:schemeClr val="tx1"/>
-                </a:solidFill>
-                <a:latin typeface="Arial" panose="020B0604020202020204" pitchFamily="34" charset="0"/>
-                <a:ea typeface="ＭＳ Ｐゴシック" panose="020B0600070205080204" pitchFamily="34" charset="-128"/>
-              </a:defRPr>
-            </a:lvl4pPr>
-            <a:lvl5pPr marL="2057400" indent="-228600" eaLnBrk="0" hangingPunct="0">
-              <a:defRPr>
-                <a:solidFill>
-                  <a:schemeClr val="tx1"/>
-                </a:solidFill>
-                <a:latin typeface="Arial" panose="020B0604020202020204" pitchFamily="34" charset="0"/>
-                <a:ea typeface="ＭＳ Ｐゴシック" panose="020B0600070205080204" pitchFamily="34" charset="-128"/>
-              </a:defRPr>
-            </a:lvl5pPr>
-            <a:lvl6pPr marL="2514600" indent="-228600" eaLnBrk="0" fontAlgn="base" hangingPunct="0">
-              <a:spcBef>
-                <a:spcPct val="0"/>
-              </a:spcBef>
-              <a:spcAft>
-                <a:spcPct val="0"/>
-              </a:spcAft>
-              <a:defRPr>
-                <a:solidFill>
-                  <a:schemeClr val="tx1"/>
-                </a:solidFill>
-                <a:latin typeface="Arial" panose="020B0604020202020204" pitchFamily="34" charset="0"/>
-                <a:ea typeface="ＭＳ Ｐゴシック" panose="020B0600070205080204" pitchFamily="34" charset="-128"/>
-              </a:defRPr>
-            </a:lvl6pPr>
-            <a:lvl7pPr marL="2971800" indent="-228600" eaLnBrk="0" fontAlgn="base" hangingPunct="0">
-              <a:spcBef>
-                <a:spcPct val="0"/>
-              </a:spcBef>
-              <a:spcAft>
-                <a:spcPct val="0"/>
-              </a:spcAft>
-              <a:defRPr>
-                <a:solidFill>
-                  <a:schemeClr val="tx1"/>
-                </a:solidFill>
-                <a:latin typeface="Arial" panose="020B0604020202020204" pitchFamily="34" charset="0"/>
-                <a:ea typeface="ＭＳ Ｐゴシック" panose="020B0600070205080204" pitchFamily="34" charset="-128"/>
-              </a:defRPr>
-            </a:lvl7pPr>
-            <a:lvl8pPr marL="3429000" indent="-228600" eaLnBrk="0" fontAlgn="base" hangingPunct="0">
-              <a:spcBef>
-                <a:spcPct val="0"/>
-              </a:spcBef>
-              <a:spcAft>
-                <a:spcPct val="0"/>
-              </a:spcAft>
-              <a:defRPr>
-                <a:solidFill>
-                  <a:schemeClr val="tx1"/>
-                </a:solidFill>
-                <a:latin typeface="Arial" panose="020B0604020202020204" pitchFamily="34" charset="0"/>
-                <a:ea typeface="ＭＳ Ｐゴシック" panose="020B0600070205080204" pitchFamily="34" charset="-128"/>
-              </a:defRPr>
-            </a:lvl8pPr>
-            <a:lvl9pPr marL="3886200" indent="-228600" eaLnBrk="0" fontAlgn="base" hangingPunct="0">
-              <a:spcBef>
-                <a:spcPct val="0"/>
-              </a:spcBef>
-              <a:spcAft>
-                <a:spcPct val="0"/>
-              </a:spcAft>
-              <a:defRPr>
-                <a:solidFill>
-                  <a:schemeClr val="tx1"/>
-                </a:solidFill>
-                <a:latin typeface="Arial" panose="020B0604020202020204" pitchFamily="34" charset="0"/>
-                <a:ea typeface="ＭＳ Ｐゴシック" panose="020B0600070205080204" pitchFamily="34" charset="-128"/>
-              </a:defRPr>
-            </a:lvl9pPr>
-          </a:lstStyle>
-          <a:p>
-            <a:pPr eaLnBrk="1" hangingPunct="1"/>
-            <a:endParaRPr lang="en-US" altLang="en-US"/>
-          </a:p>
-        </p:txBody>
-      </p:sp>
-      <p:sp>
-        <p:nvSpPr>
-          <p:cNvPr id="160" name="Rectangle 10">
-            <a:extLst>
-              <a:ext uri="{FF2B5EF4-FFF2-40B4-BE49-F238E27FC236}">
-                <a16:creationId xmlns:a16="http://schemas.microsoft.com/office/drawing/2014/main" id="{A78A482B-1982-F545-9A7A-16DA2FC0E47F}"/>
-              </a:ext>
-            </a:extLst>
-          </p:cNvPr>
-          <p:cNvSpPr>
-            <a:spLocks noChangeArrowheads="1"/>
-          </p:cNvSpPr>
-          <p:nvPr/>
-        </p:nvSpPr>
-        <p:spPr bwMode="auto">
-          <a:xfrm>
-            <a:off x="-3394957" y="2649845"/>
-            <a:ext cx="916164" cy="1212850"/>
-          </a:xfrm>
-          <a:prstGeom prst="rect">
-            <a:avLst/>
-          </a:prstGeom>
-          <a:solidFill>
-            <a:schemeClr val="accent1">
-              <a:alpha val="50195"/>
-            </a:schemeClr>
-          </a:solidFill>
-          <a:ln w="9525">
-            <a:solidFill>
-              <a:schemeClr val="tx1"/>
-            </a:solidFill>
-            <a:miter lim="800000"/>
-            <a:headEnd/>
-            <a:tailEnd/>
-          </a:ln>
-        </p:spPr>
-        <p:txBody>
-          <a:bodyPr wrap="none" anchor="ctr"/>
-          <a:lstStyle>
-            <a:lvl1pPr eaLnBrk="0" hangingPunct="0">
-              <a:defRPr>
-                <a:solidFill>
-                  <a:schemeClr val="tx1"/>
-                </a:solidFill>
-                <a:latin typeface="Arial" panose="020B0604020202020204" pitchFamily="34" charset="0"/>
-                <a:ea typeface="ＭＳ Ｐゴシック" panose="020B0600070205080204" pitchFamily="34" charset="-128"/>
-              </a:defRPr>
-            </a:lvl1pPr>
-            <a:lvl2pPr marL="742950" indent="-285750" eaLnBrk="0" hangingPunct="0">
-              <a:defRPr>
-                <a:solidFill>
-                  <a:schemeClr val="tx1"/>
-                </a:solidFill>
-                <a:latin typeface="Arial" panose="020B0604020202020204" pitchFamily="34" charset="0"/>
-                <a:ea typeface="ＭＳ Ｐゴシック" panose="020B0600070205080204" pitchFamily="34" charset="-128"/>
-              </a:defRPr>
-            </a:lvl2pPr>
-            <a:lvl3pPr marL="1143000" indent="-228600" eaLnBrk="0" hangingPunct="0">
-              <a:defRPr>
-                <a:solidFill>
-                  <a:schemeClr val="tx1"/>
-                </a:solidFill>
-                <a:latin typeface="Arial" panose="020B0604020202020204" pitchFamily="34" charset="0"/>
-                <a:ea typeface="ＭＳ Ｐゴシック" panose="020B0600070205080204" pitchFamily="34" charset="-128"/>
-              </a:defRPr>
-            </a:lvl3pPr>
-            <a:lvl4pPr marL="1600200" indent="-228600" eaLnBrk="0" hangingPunct="0">
-              <a:defRPr>
-                <a:solidFill>
-                  <a:schemeClr val="tx1"/>
-                </a:solidFill>
-                <a:latin typeface="Arial" panose="020B0604020202020204" pitchFamily="34" charset="0"/>
-                <a:ea typeface="ＭＳ Ｐゴシック" panose="020B0600070205080204" pitchFamily="34" charset="-128"/>
-              </a:defRPr>
-            </a:lvl4pPr>
-            <a:lvl5pPr marL="2057400" indent="-228600" eaLnBrk="0" hangingPunct="0">
-              <a:defRPr>
-                <a:solidFill>
-                  <a:schemeClr val="tx1"/>
-                </a:solidFill>
-                <a:latin typeface="Arial" panose="020B0604020202020204" pitchFamily="34" charset="0"/>
-                <a:ea typeface="ＭＳ Ｐゴシック" panose="020B0600070205080204" pitchFamily="34" charset="-128"/>
-              </a:defRPr>
-            </a:lvl5pPr>
-            <a:lvl6pPr marL="2514600" indent="-228600" eaLnBrk="0" fontAlgn="base" hangingPunct="0">
-              <a:spcBef>
-                <a:spcPct val="0"/>
-              </a:spcBef>
-              <a:spcAft>
-                <a:spcPct val="0"/>
-              </a:spcAft>
-              <a:defRPr>
-                <a:solidFill>
-                  <a:schemeClr val="tx1"/>
-                </a:solidFill>
-                <a:latin typeface="Arial" panose="020B0604020202020204" pitchFamily="34" charset="0"/>
-                <a:ea typeface="ＭＳ Ｐゴシック" panose="020B0600070205080204" pitchFamily="34" charset="-128"/>
-              </a:defRPr>
-            </a:lvl6pPr>
-            <a:lvl7pPr marL="2971800" indent="-228600" eaLnBrk="0" fontAlgn="base" hangingPunct="0">
-              <a:spcBef>
-                <a:spcPct val="0"/>
-              </a:spcBef>
-              <a:spcAft>
-                <a:spcPct val="0"/>
-              </a:spcAft>
-              <a:defRPr>
-                <a:solidFill>
-                  <a:schemeClr val="tx1"/>
-                </a:solidFill>
-                <a:latin typeface="Arial" panose="020B0604020202020204" pitchFamily="34" charset="0"/>
-                <a:ea typeface="ＭＳ Ｐゴシック" panose="020B0600070205080204" pitchFamily="34" charset="-128"/>
-              </a:defRPr>
-            </a:lvl7pPr>
-            <a:lvl8pPr marL="3429000" indent="-228600" eaLnBrk="0" fontAlgn="base" hangingPunct="0">
-              <a:spcBef>
-                <a:spcPct val="0"/>
-              </a:spcBef>
-              <a:spcAft>
-                <a:spcPct val="0"/>
-              </a:spcAft>
-              <a:defRPr>
-                <a:solidFill>
-                  <a:schemeClr val="tx1"/>
-                </a:solidFill>
-                <a:latin typeface="Arial" panose="020B0604020202020204" pitchFamily="34" charset="0"/>
-                <a:ea typeface="ＭＳ Ｐゴシック" panose="020B0600070205080204" pitchFamily="34" charset="-128"/>
-              </a:defRPr>
-            </a:lvl8pPr>
-            <a:lvl9pPr marL="3886200" indent="-228600" eaLnBrk="0" fontAlgn="base" hangingPunct="0">
-              <a:spcBef>
-                <a:spcPct val="0"/>
-              </a:spcBef>
-              <a:spcAft>
-                <a:spcPct val="0"/>
-              </a:spcAft>
-              <a:defRPr>
-                <a:solidFill>
-                  <a:schemeClr val="tx1"/>
-                </a:solidFill>
-                <a:latin typeface="Arial" panose="020B0604020202020204" pitchFamily="34" charset="0"/>
-                <a:ea typeface="ＭＳ Ｐゴシック" panose="020B0600070205080204" pitchFamily="34" charset="-128"/>
-              </a:defRPr>
-            </a:lvl9pPr>
-          </a:lstStyle>
-          <a:p>
-            <a:pPr eaLnBrk="1" hangingPunct="1"/>
-            <a:endParaRPr lang="en-US" altLang="en-US"/>
-          </a:p>
-        </p:txBody>
-      </p:sp>
-      <p:sp>
-        <p:nvSpPr>
           <p:cNvPr id="161" name="Rectangle 11">
             <a:extLst>
               <a:ext uri="{FF2B5EF4-FFF2-40B4-BE49-F238E27FC236}">
@@ -13552,912 +13250,6 @@
           <a:xfrm>
             <a:off x="3672043" y="5471583"/>
             <a:ext cx="1210954" cy="1212850"/>
-          </a:xfrm>
-          <a:prstGeom prst="rect">
-            <a:avLst/>
-          </a:prstGeom>
-          <a:solidFill>
-            <a:schemeClr val="accent1">
-              <a:alpha val="50195"/>
-            </a:schemeClr>
-          </a:solidFill>
-          <a:ln w="9525">
-            <a:solidFill>
-              <a:schemeClr val="tx1"/>
-            </a:solidFill>
-            <a:miter lim="800000"/>
-            <a:headEnd/>
-            <a:tailEnd/>
-          </a:ln>
-        </p:spPr>
-        <p:txBody>
-          <a:bodyPr wrap="none" anchor="ctr"/>
-          <a:lstStyle>
-            <a:lvl1pPr eaLnBrk="0" hangingPunct="0">
-              <a:defRPr>
-                <a:solidFill>
-                  <a:schemeClr val="tx1"/>
-                </a:solidFill>
-                <a:latin typeface="Arial" panose="020B0604020202020204" pitchFamily="34" charset="0"/>
-                <a:ea typeface="ＭＳ Ｐゴシック" panose="020B0600070205080204" pitchFamily="34" charset="-128"/>
-              </a:defRPr>
-            </a:lvl1pPr>
-            <a:lvl2pPr marL="742950" indent="-285750" eaLnBrk="0" hangingPunct="0">
-              <a:defRPr>
-                <a:solidFill>
-                  <a:schemeClr val="tx1"/>
-                </a:solidFill>
-                <a:latin typeface="Arial" panose="020B0604020202020204" pitchFamily="34" charset="0"/>
-                <a:ea typeface="ＭＳ Ｐゴシック" panose="020B0600070205080204" pitchFamily="34" charset="-128"/>
-              </a:defRPr>
-            </a:lvl2pPr>
-            <a:lvl3pPr marL="1143000" indent="-228600" eaLnBrk="0" hangingPunct="0">
-              <a:defRPr>
-                <a:solidFill>
-                  <a:schemeClr val="tx1"/>
-                </a:solidFill>
-                <a:latin typeface="Arial" panose="020B0604020202020204" pitchFamily="34" charset="0"/>
-                <a:ea typeface="ＭＳ Ｐゴシック" panose="020B0600070205080204" pitchFamily="34" charset="-128"/>
-              </a:defRPr>
-            </a:lvl3pPr>
-            <a:lvl4pPr marL="1600200" indent="-228600" eaLnBrk="0" hangingPunct="0">
-              <a:defRPr>
-                <a:solidFill>
-                  <a:schemeClr val="tx1"/>
-                </a:solidFill>
-                <a:latin typeface="Arial" panose="020B0604020202020204" pitchFamily="34" charset="0"/>
-                <a:ea typeface="ＭＳ Ｐゴシック" panose="020B0600070205080204" pitchFamily="34" charset="-128"/>
-              </a:defRPr>
-            </a:lvl4pPr>
-            <a:lvl5pPr marL="2057400" indent="-228600" eaLnBrk="0" hangingPunct="0">
-              <a:defRPr>
-                <a:solidFill>
-                  <a:schemeClr val="tx1"/>
-                </a:solidFill>
-                <a:latin typeface="Arial" panose="020B0604020202020204" pitchFamily="34" charset="0"/>
-                <a:ea typeface="ＭＳ Ｐゴシック" panose="020B0600070205080204" pitchFamily="34" charset="-128"/>
-              </a:defRPr>
-            </a:lvl5pPr>
-            <a:lvl6pPr marL="2514600" indent="-228600" eaLnBrk="0" fontAlgn="base" hangingPunct="0">
-              <a:spcBef>
-                <a:spcPct val="0"/>
-              </a:spcBef>
-              <a:spcAft>
-                <a:spcPct val="0"/>
-              </a:spcAft>
-              <a:defRPr>
-                <a:solidFill>
-                  <a:schemeClr val="tx1"/>
-                </a:solidFill>
-                <a:latin typeface="Arial" panose="020B0604020202020204" pitchFamily="34" charset="0"/>
-                <a:ea typeface="ＭＳ Ｐゴシック" panose="020B0600070205080204" pitchFamily="34" charset="-128"/>
-              </a:defRPr>
-            </a:lvl6pPr>
-            <a:lvl7pPr marL="2971800" indent="-228600" eaLnBrk="0" fontAlgn="base" hangingPunct="0">
-              <a:spcBef>
-                <a:spcPct val="0"/>
-              </a:spcBef>
-              <a:spcAft>
-                <a:spcPct val="0"/>
-              </a:spcAft>
-              <a:defRPr>
-                <a:solidFill>
-                  <a:schemeClr val="tx1"/>
-                </a:solidFill>
-                <a:latin typeface="Arial" panose="020B0604020202020204" pitchFamily="34" charset="0"/>
-                <a:ea typeface="ＭＳ Ｐゴシック" panose="020B0600070205080204" pitchFamily="34" charset="-128"/>
-              </a:defRPr>
-            </a:lvl7pPr>
-            <a:lvl8pPr marL="3429000" indent="-228600" eaLnBrk="0" fontAlgn="base" hangingPunct="0">
-              <a:spcBef>
-                <a:spcPct val="0"/>
-              </a:spcBef>
-              <a:spcAft>
-                <a:spcPct val="0"/>
-              </a:spcAft>
-              <a:defRPr>
-                <a:solidFill>
-                  <a:schemeClr val="tx1"/>
-                </a:solidFill>
-                <a:latin typeface="Arial" panose="020B0604020202020204" pitchFamily="34" charset="0"/>
-                <a:ea typeface="ＭＳ Ｐゴシック" panose="020B0600070205080204" pitchFamily="34" charset="-128"/>
-              </a:defRPr>
-            </a:lvl8pPr>
-            <a:lvl9pPr marL="3886200" indent="-228600" eaLnBrk="0" fontAlgn="base" hangingPunct="0">
-              <a:spcBef>
-                <a:spcPct val="0"/>
-              </a:spcBef>
-              <a:spcAft>
-                <a:spcPct val="0"/>
-              </a:spcAft>
-              <a:defRPr>
-                <a:solidFill>
-                  <a:schemeClr val="tx1"/>
-                </a:solidFill>
-                <a:latin typeface="Arial" panose="020B0604020202020204" pitchFamily="34" charset="0"/>
-                <a:ea typeface="ＭＳ Ｐゴシック" panose="020B0600070205080204" pitchFamily="34" charset="-128"/>
-              </a:defRPr>
-            </a:lvl9pPr>
-          </a:lstStyle>
-          <a:p>
-            <a:pPr eaLnBrk="1" hangingPunct="1"/>
-            <a:endParaRPr lang="en-US" altLang="en-US"/>
-          </a:p>
-        </p:txBody>
-      </p:sp>
-      <p:sp>
-        <p:nvSpPr>
-          <p:cNvPr id="162" name="Rectangle 12">
-            <a:extLst>
-              <a:ext uri="{FF2B5EF4-FFF2-40B4-BE49-F238E27FC236}">
-                <a16:creationId xmlns:a16="http://schemas.microsoft.com/office/drawing/2014/main" id="{A4A2F4B1-E675-C54C-93C0-3CD2BD27A74E}"/>
-              </a:ext>
-            </a:extLst>
-          </p:cNvPr>
-          <p:cNvSpPr>
-            <a:spLocks noChangeArrowheads="1"/>
-          </p:cNvSpPr>
-          <p:nvPr/>
-        </p:nvSpPr>
-        <p:spPr bwMode="auto">
-          <a:xfrm>
-            <a:off x="-3525837" y="2717226"/>
-            <a:ext cx="130881" cy="67381"/>
-          </a:xfrm>
-          <a:prstGeom prst="rect">
-            <a:avLst/>
-          </a:prstGeom>
-          <a:solidFill>
-            <a:schemeClr val="accent1">
-              <a:alpha val="50195"/>
-            </a:schemeClr>
-          </a:solidFill>
-          <a:ln w="9525">
-            <a:solidFill>
-              <a:schemeClr val="tx1"/>
-            </a:solidFill>
-            <a:miter lim="800000"/>
-            <a:headEnd/>
-            <a:tailEnd/>
-          </a:ln>
-        </p:spPr>
-        <p:txBody>
-          <a:bodyPr wrap="none" anchor="ctr"/>
-          <a:lstStyle>
-            <a:lvl1pPr eaLnBrk="0" hangingPunct="0">
-              <a:defRPr>
-                <a:solidFill>
-                  <a:schemeClr val="tx1"/>
-                </a:solidFill>
-                <a:latin typeface="Arial" panose="020B0604020202020204" pitchFamily="34" charset="0"/>
-                <a:ea typeface="ＭＳ Ｐゴシック" panose="020B0600070205080204" pitchFamily="34" charset="-128"/>
-              </a:defRPr>
-            </a:lvl1pPr>
-            <a:lvl2pPr marL="742950" indent="-285750" eaLnBrk="0" hangingPunct="0">
-              <a:defRPr>
-                <a:solidFill>
-                  <a:schemeClr val="tx1"/>
-                </a:solidFill>
-                <a:latin typeface="Arial" panose="020B0604020202020204" pitchFamily="34" charset="0"/>
-                <a:ea typeface="ＭＳ Ｐゴシック" panose="020B0600070205080204" pitchFamily="34" charset="-128"/>
-              </a:defRPr>
-            </a:lvl2pPr>
-            <a:lvl3pPr marL="1143000" indent="-228600" eaLnBrk="0" hangingPunct="0">
-              <a:defRPr>
-                <a:solidFill>
-                  <a:schemeClr val="tx1"/>
-                </a:solidFill>
-                <a:latin typeface="Arial" panose="020B0604020202020204" pitchFamily="34" charset="0"/>
-                <a:ea typeface="ＭＳ Ｐゴシック" panose="020B0600070205080204" pitchFamily="34" charset="-128"/>
-              </a:defRPr>
-            </a:lvl3pPr>
-            <a:lvl4pPr marL="1600200" indent="-228600" eaLnBrk="0" hangingPunct="0">
-              <a:defRPr>
-                <a:solidFill>
-                  <a:schemeClr val="tx1"/>
-                </a:solidFill>
-                <a:latin typeface="Arial" panose="020B0604020202020204" pitchFamily="34" charset="0"/>
-                <a:ea typeface="ＭＳ Ｐゴシック" panose="020B0600070205080204" pitchFamily="34" charset="-128"/>
-              </a:defRPr>
-            </a:lvl4pPr>
-            <a:lvl5pPr marL="2057400" indent="-228600" eaLnBrk="0" hangingPunct="0">
-              <a:defRPr>
-                <a:solidFill>
-                  <a:schemeClr val="tx1"/>
-                </a:solidFill>
-                <a:latin typeface="Arial" panose="020B0604020202020204" pitchFamily="34" charset="0"/>
-                <a:ea typeface="ＭＳ Ｐゴシック" panose="020B0600070205080204" pitchFamily="34" charset="-128"/>
-              </a:defRPr>
-            </a:lvl5pPr>
-            <a:lvl6pPr marL="2514600" indent="-228600" eaLnBrk="0" fontAlgn="base" hangingPunct="0">
-              <a:spcBef>
-                <a:spcPct val="0"/>
-              </a:spcBef>
-              <a:spcAft>
-                <a:spcPct val="0"/>
-              </a:spcAft>
-              <a:defRPr>
-                <a:solidFill>
-                  <a:schemeClr val="tx1"/>
-                </a:solidFill>
-                <a:latin typeface="Arial" panose="020B0604020202020204" pitchFamily="34" charset="0"/>
-                <a:ea typeface="ＭＳ Ｐゴシック" panose="020B0600070205080204" pitchFamily="34" charset="-128"/>
-              </a:defRPr>
-            </a:lvl6pPr>
-            <a:lvl7pPr marL="2971800" indent="-228600" eaLnBrk="0" fontAlgn="base" hangingPunct="0">
-              <a:spcBef>
-                <a:spcPct val="0"/>
-              </a:spcBef>
-              <a:spcAft>
-                <a:spcPct val="0"/>
-              </a:spcAft>
-              <a:defRPr>
-                <a:solidFill>
-                  <a:schemeClr val="tx1"/>
-                </a:solidFill>
-                <a:latin typeface="Arial" panose="020B0604020202020204" pitchFamily="34" charset="0"/>
-                <a:ea typeface="ＭＳ Ｐゴシック" panose="020B0600070205080204" pitchFamily="34" charset="-128"/>
-              </a:defRPr>
-            </a:lvl7pPr>
-            <a:lvl8pPr marL="3429000" indent="-228600" eaLnBrk="0" fontAlgn="base" hangingPunct="0">
-              <a:spcBef>
-                <a:spcPct val="0"/>
-              </a:spcBef>
-              <a:spcAft>
-                <a:spcPct val="0"/>
-              </a:spcAft>
-              <a:defRPr>
-                <a:solidFill>
-                  <a:schemeClr val="tx1"/>
-                </a:solidFill>
-                <a:latin typeface="Arial" panose="020B0604020202020204" pitchFamily="34" charset="0"/>
-                <a:ea typeface="ＭＳ Ｐゴシック" panose="020B0600070205080204" pitchFamily="34" charset="-128"/>
-              </a:defRPr>
-            </a:lvl8pPr>
-            <a:lvl9pPr marL="3886200" indent="-228600" eaLnBrk="0" fontAlgn="base" hangingPunct="0">
-              <a:spcBef>
-                <a:spcPct val="0"/>
-              </a:spcBef>
-              <a:spcAft>
-                <a:spcPct val="0"/>
-              </a:spcAft>
-              <a:defRPr>
-                <a:solidFill>
-                  <a:schemeClr val="tx1"/>
-                </a:solidFill>
-                <a:latin typeface="Arial" panose="020B0604020202020204" pitchFamily="34" charset="0"/>
-                <a:ea typeface="ＭＳ Ｐゴシック" panose="020B0600070205080204" pitchFamily="34" charset="-128"/>
-              </a:defRPr>
-            </a:lvl9pPr>
-          </a:lstStyle>
-          <a:p>
-            <a:pPr eaLnBrk="1" hangingPunct="1"/>
-            <a:endParaRPr lang="en-US" altLang="en-US"/>
-          </a:p>
-        </p:txBody>
-      </p:sp>
-      <p:sp>
-        <p:nvSpPr>
-          <p:cNvPr id="163" name="Rectangle 13">
-            <a:extLst>
-              <a:ext uri="{FF2B5EF4-FFF2-40B4-BE49-F238E27FC236}">
-                <a16:creationId xmlns:a16="http://schemas.microsoft.com/office/drawing/2014/main" id="{263936E7-EDE1-A34E-BD2A-A3EF83AF9E6C}"/>
-              </a:ext>
-            </a:extLst>
-          </p:cNvPr>
-          <p:cNvSpPr>
-            <a:spLocks noChangeArrowheads="1"/>
-          </p:cNvSpPr>
-          <p:nvPr/>
-        </p:nvSpPr>
-        <p:spPr bwMode="auto">
-          <a:xfrm>
-            <a:off x="-2478793" y="2717226"/>
-            <a:ext cx="130881" cy="67381"/>
-          </a:xfrm>
-          <a:prstGeom prst="rect">
-            <a:avLst/>
-          </a:prstGeom>
-          <a:solidFill>
-            <a:schemeClr val="accent1">
-              <a:alpha val="50195"/>
-            </a:schemeClr>
-          </a:solidFill>
-          <a:ln w="9525">
-            <a:solidFill>
-              <a:schemeClr val="tx1"/>
-            </a:solidFill>
-            <a:miter lim="800000"/>
-            <a:headEnd/>
-            <a:tailEnd/>
-          </a:ln>
-        </p:spPr>
-        <p:txBody>
-          <a:bodyPr wrap="none" anchor="ctr"/>
-          <a:lstStyle>
-            <a:lvl1pPr eaLnBrk="0" hangingPunct="0">
-              <a:defRPr>
-                <a:solidFill>
-                  <a:schemeClr val="tx1"/>
-                </a:solidFill>
-                <a:latin typeface="Arial" panose="020B0604020202020204" pitchFamily="34" charset="0"/>
-                <a:ea typeface="ＭＳ Ｐゴシック" panose="020B0600070205080204" pitchFamily="34" charset="-128"/>
-              </a:defRPr>
-            </a:lvl1pPr>
-            <a:lvl2pPr marL="742950" indent="-285750" eaLnBrk="0" hangingPunct="0">
-              <a:defRPr>
-                <a:solidFill>
-                  <a:schemeClr val="tx1"/>
-                </a:solidFill>
-                <a:latin typeface="Arial" panose="020B0604020202020204" pitchFamily="34" charset="0"/>
-                <a:ea typeface="ＭＳ Ｐゴシック" panose="020B0600070205080204" pitchFamily="34" charset="-128"/>
-              </a:defRPr>
-            </a:lvl2pPr>
-            <a:lvl3pPr marL="1143000" indent="-228600" eaLnBrk="0" hangingPunct="0">
-              <a:defRPr>
-                <a:solidFill>
-                  <a:schemeClr val="tx1"/>
-                </a:solidFill>
-                <a:latin typeface="Arial" panose="020B0604020202020204" pitchFamily="34" charset="0"/>
-                <a:ea typeface="ＭＳ Ｐゴシック" panose="020B0600070205080204" pitchFamily="34" charset="-128"/>
-              </a:defRPr>
-            </a:lvl3pPr>
-            <a:lvl4pPr marL="1600200" indent="-228600" eaLnBrk="0" hangingPunct="0">
-              <a:defRPr>
-                <a:solidFill>
-                  <a:schemeClr val="tx1"/>
-                </a:solidFill>
-                <a:latin typeface="Arial" panose="020B0604020202020204" pitchFamily="34" charset="0"/>
-                <a:ea typeface="ＭＳ Ｐゴシック" panose="020B0600070205080204" pitchFamily="34" charset="-128"/>
-              </a:defRPr>
-            </a:lvl4pPr>
-            <a:lvl5pPr marL="2057400" indent="-228600" eaLnBrk="0" hangingPunct="0">
-              <a:defRPr>
-                <a:solidFill>
-                  <a:schemeClr val="tx1"/>
-                </a:solidFill>
-                <a:latin typeface="Arial" panose="020B0604020202020204" pitchFamily="34" charset="0"/>
-                <a:ea typeface="ＭＳ Ｐゴシック" panose="020B0600070205080204" pitchFamily="34" charset="-128"/>
-              </a:defRPr>
-            </a:lvl5pPr>
-            <a:lvl6pPr marL="2514600" indent="-228600" eaLnBrk="0" fontAlgn="base" hangingPunct="0">
-              <a:spcBef>
-                <a:spcPct val="0"/>
-              </a:spcBef>
-              <a:spcAft>
-                <a:spcPct val="0"/>
-              </a:spcAft>
-              <a:defRPr>
-                <a:solidFill>
-                  <a:schemeClr val="tx1"/>
-                </a:solidFill>
-                <a:latin typeface="Arial" panose="020B0604020202020204" pitchFamily="34" charset="0"/>
-                <a:ea typeface="ＭＳ Ｐゴシック" panose="020B0600070205080204" pitchFamily="34" charset="-128"/>
-              </a:defRPr>
-            </a:lvl6pPr>
-            <a:lvl7pPr marL="2971800" indent="-228600" eaLnBrk="0" fontAlgn="base" hangingPunct="0">
-              <a:spcBef>
-                <a:spcPct val="0"/>
-              </a:spcBef>
-              <a:spcAft>
-                <a:spcPct val="0"/>
-              </a:spcAft>
-              <a:defRPr>
-                <a:solidFill>
-                  <a:schemeClr val="tx1"/>
-                </a:solidFill>
-                <a:latin typeface="Arial" panose="020B0604020202020204" pitchFamily="34" charset="0"/>
-                <a:ea typeface="ＭＳ Ｐゴシック" panose="020B0600070205080204" pitchFamily="34" charset="-128"/>
-              </a:defRPr>
-            </a:lvl7pPr>
-            <a:lvl8pPr marL="3429000" indent="-228600" eaLnBrk="0" fontAlgn="base" hangingPunct="0">
-              <a:spcBef>
-                <a:spcPct val="0"/>
-              </a:spcBef>
-              <a:spcAft>
-                <a:spcPct val="0"/>
-              </a:spcAft>
-              <a:defRPr>
-                <a:solidFill>
-                  <a:schemeClr val="tx1"/>
-                </a:solidFill>
-                <a:latin typeface="Arial" panose="020B0604020202020204" pitchFamily="34" charset="0"/>
-                <a:ea typeface="ＭＳ Ｐゴシック" panose="020B0600070205080204" pitchFamily="34" charset="-128"/>
-              </a:defRPr>
-            </a:lvl8pPr>
-            <a:lvl9pPr marL="3886200" indent="-228600" eaLnBrk="0" fontAlgn="base" hangingPunct="0">
-              <a:spcBef>
-                <a:spcPct val="0"/>
-              </a:spcBef>
-              <a:spcAft>
-                <a:spcPct val="0"/>
-              </a:spcAft>
-              <a:defRPr>
-                <a:solidFill>
-                  <a:schemeClr val="tx1"/>
-                </a:solidFill>
-                <a:latin typeface="Arial" panose="020B0604020202020204" pitchFamily="34" charset="0"/>
-                <a:ea typeface="ＭＳ Ｐゴシック" panose="020B0600070205080204" pitchFamily="34" charset="-128"/>
-              </a:defRPr>
-            </a:lvl9pPr>
-          </a:lstStyle>
-          <a:p>
-            <a:pPr eaLnBrk="1" hangingPunct="1"/>
-            <a:endParaRPr lang="en-US" altLang="en-US"/>
-          </a:p>
-        </p:txBody>
-      </p:sp>
-      <p:sp>
-        <p:nvSpPr>
-          <p:cNvPr id="164" name="Rectangle 14">
-            <a:extLst>
-              <a:ext uri="{FF2B5EF4-FFF2-40B4-BE49-F238E27FC236}">
-                <a16:creationId xmlns:a16="http://schemas.microsoft.com/office/drawing/2014/main" id="{4FE5D817-D8A7-9C42-8093-4C29EADA6910}"/>
-              </a:ext>
-            </a:extLst>
-          </p:cNvPr>
-          <p:cNvSpPr>
-            <a:spLocks noChangeArrowheads="1"/>
-          </p:cNvSpPr>
-          <p:nvPr/>
-        </p:nvSpPr>
-        <p:spPr bwMode="auto">
-          <a:xfrm>
-            <a:off x="-3525837" y="3727934"/>
-            <a:ext cx="130881" cy="67381"/>
-          </a:xfrm>
-          <a:prstGeom prst="rect">
-            <a:avLst/>
-          </a:prstGeom>
-          <a:solidFill>
-            <a:schemeClr val="accent1">
-              <a:alpha val="50195"/>
-            </a:schemeClr>
-          </a:solidFill>
-          <a:ln w="9525">
-            <a:solidFill>
-              <a:schemeClr val="tx1"/>
-            </a:solidFill>
-            <a:miter lim="800000"/>
-            <a:headEnd/>
-            <a:tailEnd/>
-          </a:ln>
-        </p:spPr>
-        <p:txBody>
-          <a:bodyPr wrap="none" anchor="ctr"/>
-          <a:lstStyle>
-            <a:lvl1pPr eaLnBrk="0" hangingPunct="0">
-              <a:defRPr>
-                <a:solidFill>
-                  <a:schemeClr val="tx1"/>
-                </a:solidFill>
-                <a:latin typeface="Arial" panose="020B0604020202020204" pitchFamily="34" charset="0"/>
-                <a:ea typeface="ＭＳ Ｐゴシック" panose="020B0600070205080204" pitchFamily="34" charset="-128"/>
-              </a:defRPr>
-            </a:lvl1pPr>
-            <a:lvl2pPr marL="742950" indent="-285750" eaLnBrk="0" hangingPunct="0">
-              <a:defRPr>
-                <a:solidFill>
-                  <a:schemeClr val="tx1"/>
-                </a:solidFill>
-                <a:latin typeface="Arial" panose="020B0604020202020204" pitchFamily="34" charset="0"/>
-                <a:ea typeface="ＭＳ Ｐゴシック" panose="020B0600070205080204" pitchFamily="34" charset="-128"/>
-              </a:defRPr>
-            </a:lvl2pPr>
-            <a:lvl3pPr marL="1143000" indent="-228600" eaLnBrk="0" hangingPunct="0">
-              <a:defRPr>
-                <a:solidFill>
-                  <a:schemeClr val="tx1"/>
-                </a:solidFill>
-                <a:latin typeface="Arial" panose="020B0604020202020204" pitchFamily="34" charset="0"/>
-                <a:ea typeface="ＭＳ Ｐゴシック" panose="020B0600070205080204" pitchFamily="34" charset="-128"/>
-              </a:defRPr>
-            </a:lvl3pPr>
-            <a:lvl4pPr marL="1600200" indent="-228600" eaLnBrk="0" hangingPunct="0">
-              <a:defRPr>
-                <a:solidFill>
-                  <a:schemeClr val="tx1"/>
-                </a:solidFill>
-                <a:latin typeface="Arial" panose="020B0604020202020204" pitchFamily="34" charset="0"/>
-                <a:ea typeface="ＭＳ Ｐゴシック" panose="020B0600070205080204" pitchFamily="34" charset="-128"/>
-              </a:defRPr>
-            </a:lvl4pPr>
-            <a:lvl5pPr marL="2057400" indent="-228600" eaLnBrk="0" hangingPunct="0">
-              <a:defRPr>
-                <a:solidFill>
-                  <a:schemeClr val="tx1"/>
-                </a:solidFill>
-                <a:latin typeface="Arial" panose="020B0604020202020204" pitchFamily="34" charset="0"/>
-                <a:ea typeface="ＭＳ Ｐゴシック" panose="020B0600070205080204" pitchFamily="34" charset="-128"/>
-              </a:defRPr>
-            </a:lvl5pPr>
-            <a:lvl6pPr marL="2514600" indent="-228600" eaLnBrk="0" fontAlgn="base" hangingPunct="0">
-              <a:spcBef>
-                <a:spcPct val="0"/>
-              </a:spcBef>
-              <a:spcAft>
-                <a:spcPct val="0"/>
-              </a:spcAft>
-              <a:defRPr>
-                <a:solidFill>
-                  <a:schemeClr val="tx1"/>
-                </a:solidFill>
-                <a:latin typeface="Arial" panose="020B0604020202020204" pitchFamily="34" charset="0"/>
-                <a:ea typeface="ＭＳ Ｐゴシック" panose="020B0600070205080204" pitchFamily="34" charset="-128"/>
-              </a:defRPr>
-            </a:lvl6pPr>
-            <a:lvl7pPr marL="2971800" indent="-228600" eaLnBrk="0" fontAlgn="base" hangingPunct="0">
-              <a:spcBef>
-                <a:spcPct val="0"/>
-              </a:spcBef>
-              <a:spcAft>
-                <a:spcPct val="0"/>
-              </a:spcAft>
-              <a:defRPr>
-                <a:solidFill>
-                  <a:schemeClr val="tx1"/>
-                </a:solidFill>
-                <a:latin typeface="Arial" panose="020B0604020202020204" pitchFamily="34" charset="0"/>
-                <a:ea typeface="ＭＳ Ｐゴシック" panose="020B0600070205080204" pitchFamily="34" charset="-128"/>
-              </a:defRPr>
-            </a:lvl7pPr>
-            <a:lvl8pPr marL="3429000" indent="-228600" eaLnBrk="0" fontAlgn="base" hangingPunct="0">
-              <a:spcBef>
-                <a:spcPct val="0"/>
-              </a:spcBef>
-              <a:spcAft>
-                <a:spcPct val="0"/>
-              </a:spcAft>
-              <a:defRPr>
-                <a:solidFill>
-                  <a:schemeClr val="tx1"/>
-                </a:solidFill>
-                <a:latin typeface="Arial" panose="020B0604020202020204" pitchFamily="34" charset="0"/>
-                <a:ea typeface="ＭＳ Ｐゴシック" panose="020B0600070205080204" pitchFamily="34" charset="-128"/>
-              </a:defRPr>
-            </a:lvl8pPr>
-            <a:lvl9pPr marL="3886200" indent="-228600" eaLnBrk="0" fontAlgn="base" hangingPunct="0">
-              <a:spcBef>
-                <a:spcPct val="0"/>
-              </a:spcBef>
-              <a:spcAft>
-                <a:spcPct val="0"/>
-              </a:spcAft>
-              <a:defRPr>
-                <a:solidFill>
-                  <a:schemeClr val="tx1"/>
-                </a:solidFill>
-                <a:latin typeface="Arial" panose="020B0604020202020204" pitchFamily="34" charset="0"/>
-                <a:ea typeface="ＭＳ Ｐゴシック" panose="020B0600070205080204" pitchFamily="34" charset="-128"/>
-              </a:defRPr>
-            </a:lvl9pPr>
-          </a:lstStyle>
-          <a:p>
-            <a:pPr eaLnBrk="1" hangingPunct="1"/>
-            <a:endParaRPr lang="en-US" altLang="en-US"/>
-          </a:p>
-        </p:txBody>
-      </p:sp>
-      <p:sp>
-        <p:nvSpPr>
-          <p:cNvPr id="165" name="Rectangle 15">
-            <a:extLst>
-              <a:ext uri="{FF2B5EF4-FFF2-40B4-BE49-F238E27FC236}">
-                <a16:creationId xmlns:a16="http://schemas.microsoft.com/office/drawing/2014/main" id="{35DD1642-094C-F945-AB6D-7F856B66B447}"/>
-              </a:ext>
-            </a:extLst>
-          </p:cNvPr>
-          <p:cNvSpPr>
-            <a:spLocks noChangeArrowheads="1"/>
-          </p:cNvSpPr>
-          <p:nvPr/>
-        </p:nvSpPr>
-        <p:spPr bwMode="auto">
-          <a:xfrm>
-            <a:off x="-2478793" y="3727934"/>
-            <a:ext cx="130881" cy="67381"/>
-          </a:xfrm>
-          <a:prstGeom prst="rect">
-            <a:avLst/>
-          </a:prstGeom>
-          <a:solidFill>
-            <a:schemeClr val="accent1">
-              <a:alpha val="50195"/>
-            </a:schemeClr>
-          </a:solidFill>
-          <a:ln w="9525">
-            <a:solidFill>
-              <a:schemeClr val="tx1"/>
-            </a:solidFill>
-            <a:miter lim="800000"/>
-            <a:headEnd/>
-            <a:tailEnd/>
-          </a:ln>
-        </p:spPr>
-        <p:txBody>
-          <a:bodyPr wrap="none" anchor="ctr"/>
-          <a:lstStyle>
-            <a:lvl1pPr eaLnBrk="0" hangingPunct="0">
-              <a:defRPr>
-                <a:solidFill>
-                  <a:schemeClr val="tx1"/>
-                </a:solidFill>
-                <a:latin typeface="Arial" panose="020B0604020202020204" pitchFamily="34" charset="0"/>
-                <a:ea typeface="ＭＳ Ｐゴシック" panose="020B0600070205080204" pitchFamily="34" charset="-128"/>
-              </a:defRPr>
-            </a:lvl1pPr>
-            <a:lvl2pPr marL="742950" indent="-285750" eaLnBrk="0" hangingPunct="0">
-              <a:defRPr>
-                <a:solidFill>
-                  <a:schemeClr val="tx1"/>
-                </a:solidFill>
-                <a:latin typeface="Arial" panose="020B0604020202020204" pitchFamily="34" charset="0"/>
-                <a:ea typeface="ＭＳ Ｐゴシック" panose="020B0600070205080204" pitchFamily="34" charset="-128"/>
-              </a:defRPr>
-            </a:lvl2pPr>
-            <a:lvl3pPr marL="1143000" indent="-228600" eaLnBrk="0" hangingPunct="0">
-              <a:defRPr>
-                <a:solidFill>
-                  <a:schemeClr val="tx1"/>
-                </a:solidFill>
-                <a:latin typeface="Arial" panose="020B0604020202020204" pitchFamily="34" charset="0"/>
-                <a:ea typeface="ＭＳ Ｐゴシック" panose="020B0600070205080204" pitchFamily="34" charset="-128"/>
-              </a:defRPr>
-            </a:lvl3pPr>
-            <a:lvl4pPr marL="1600200" indent="-228600" eaLnBrk="0" hangingPunct="0">
-              <a:defRPr>
-                <a:solidFill>
-                  <a:schemeClr val="tx1"/>
-                </a:solidFill>
-                <a:latin typeface="Arial" panose="020B0604020202020204" pitchFamily="34" charset="0"/>
-                <a:ea typeface="ＭＳ Ｐゴシック" panose="020B0600070205080204" pitchFamily="34" charset="-128"/>
-              </a:defRPr>
-            </a:lvl4pPr>
-            <a:lvl5pPr marL="2057400" indent="-228600" eaLnBrk="0" hangingPunct="0">
-              <a:defRPr>
-                <a:solidFill>
-                  <a:schemeClr val="tx1"/>
-                </a:solidFill>
-                <a:latin typeface="Arial" panose="020B0604020202020204" pitchFamily="34" charset="0"/>
-                <a:ea typeface="ＭＳ Ｐゴシック" panose="020B0600070205080204" pitchFamily="34" charset="-128"/>
-              </a:defRPr>
-            </a:lvl5pPr>
-            <a:lvl6pPr marL="2514600" indent="-228600" eaLnBrk="0" fontAlgn="base" hangingPunct="0">
-              <a:spcBef>
-                <a:spcPct val="0"/>
-              </a:spcBef>
-              <a:spcAft>
-                <a:spcPct val="0"/>
-              </a:spcAft>
-              <a:defRPr>
-                <a:solidFill>
-                  <a:schemeClr val="tx1"/>
-                </a:solidFill>
-                <a:latin typeface="Arial" panose="020B0604020202020204" pitchFamily="34" charset="0"/>
-                <a:ea typeface="ＭＳ Ｐゴシック" panose="020B0600070205080204" pitchFamily="34" charset="-128"/>
-              </a:defRPr>
-            </a:lvl6pPr>
-            <a:lvl7pPr marL="2971800" indent="-228600" eaLnBrk="0" fontAlgn="base" hangingPunct="0">
-              <a:spcBef>
-                <a:spcPct val="0"/>
-              </a:spcBef>
-              <a:spcAft>
-                <a:spcPct val="0"/>
-              </a:spcAft>
-              <a:defRPr>
-                <a:solidFill>
-                  <a:schemeClr val="tx1"/>
-                </a:solidFill>
-                <a:latin typeface="Arial" panose="020B0604020202020204" pitchFamily="34" charset="0"/>
-                <a:ea typeface="ＭＳ Ｐゴシック" panose="020B0600070205080204" pitchFamily="34" charset="-128"/>
-              </a:defRPr>
-            </a:lvl7pPr>
-            <a:lvl8pPr marL="3429000" indent="-228600" eaLnBrk="0" fontAlgn="base" hangingPunct="0">
-              <a:spcBef>
-                <a:spcPct val="0"/>
-              </a:spcBef>
-              <a:spcAft>
-                <a:spcPct val="0"/>
-              </a:spcAft>
-              <a:defRPr>
-                <a:solidFill>
-                  <a:schemeClr val="tx1"/>
-                </a:solidFill>
-                <a:latin typeface="Arial" panose="020B0604020202020204" pitchFamily="34" charset="0"/>
-                <a:ea typeface="ＭＳ Ｐゴシック" panose="020B0600070205080204" pitchFamily="34" charset="-128"/>
-              </a:defRPr>
-            </a:lvl8pPr>
-            <a:lvl9pPr marL="3886200" indent="-228600" eaLnBrk="0" fontAlgn="base" hangingPunct="0">
-              <a:spcBef>
-                <a:spcPct val="0"/>
-              </a:spcBef>
-              <a:spcAft>
-                <a:spcPct val="0"/>
-              </a:spcAft>
-              <a:defRPr>
-                <a:solidFill>
-                  <a:schemeClr val="tx1"/>
-                </a:solidFill>
-                <a:latin typeface="Arial" panose="020B0604020202020204" pitchFamily="34" charset="0"/>
-                <a:ea typeface="ＭＳ Ｐゴシック" panose="020B0600070205080204" pitchFamily="34" charset="-128"/>
-              </a:defRPr>
-            </a:lvl9pPr>
-          </a:lstStyle>
-          <a:p>
-            <a:pPr eaLnBrk="1" hangingPunct="1"/>
-            <a:endParaRPr lang="en-US" altLang="en-US"/>
-          </a:p>
-        </p:txBody>
-      </p:sp>
-      <p:sp>
-        <p:nvSpPr>
-          <p:cNvPr id="166" name="Rectangle 16">
-            <a:extLst>
-              <a:ext uri="{FF2B5EF4-FFF2-40B4-BE49-F238E27FC236}">
-                <a16:creationId xmlns:a16="http://schemas.microsoft.com/office/drawing/2014/main" id="{5E1C1F56-5FC7-2F45-88EF-17FFEF303078}"/>
-              </a:ext>
-            </a:extLst>
-          </p:cNvPr>
-          <p:cNvSpPr>
-            <a:spLocks noChangeArrowheads="1"/>
-          </p:cNvSpPr>
-          <p:nvPr/>
-        </p:nvSpPr>
-        <p:spPr bwMode="auto">
-          <a:xfrm>
-            <a:off x="-3525837" y="3256270"/>
-            <a:ext cx="130881" cy="67381"/>
-          </a:xfrm>
-          <a:prstGeom prst="rect">
-            <a:avLst/>
-          </a:prstGeom>
-          <a:solidFill>
-            <a:schemeClr val="accent1">
-              <a:alpha val="50195"/>
-            </a:schemeClr>
-          </a:solidFill>
-          <a:ln w="9525">
-            <a:solidFill>
-              <a:schemeClr val="tx1"/>
-            </a:solidFill>
-            <a:miter lim="800000"/>
-            <a:headEnd/>
-            <a:tailEnd/>
-          </a:ln>
-        </p:spPr>
-        <p:txBody>
-          <a:bodyPr wrap="none" anchor="ctr"/>
-          <a:lstStyle>
-            <a:lvl1pPr eaLnBrk="0" hangingPunct="0">
-              <a:defRPr>
-                <a:solidFill>
-                  <a:schemeClr val="tx1"/>
-                </a:solidFill>
-                <a:latin typeface="Arial" panose="020B0604020202020204" pitchFamily="34" charset="0"/>
-                <a:ea typeface="ＭＳ Ｐゴシック" panose="020B0600070205080204" pitchFamily="34" charset="-128"/>
-              </a:defRPr>
-            </a:lvl1pPr>
-            <a:lvl2pPr marL="742950" indent="-285750" eaLnBrk="0" hangingPunct="0">
-              <a:defRPr>
-                <a:solidFill>
-                  <a:schemeClr val="tx1"/>
-                </a:solidFill>
-                <a:latin typeface="Arial" panose="020B0604020202020204" pitchFamily="34" charset="0"/>
-                <a:ea typeface="ＭＳ Ｐゴシック" panose="020B0600070205080204" pitchFamily="34" charset="-128"/>
-              </a:defRPr>
-            </a:lvl2pPr>
-            <a:lvl3pPr marL="1143000" indent="-228600" eaLnBrk="0" hangingPunct="0">
-              <a:defRPr>
-                <a:solidFill>
-                  <a:schemeClr val="tx1"/>
-                </a:solidFill>
-                <a:latin typeface="Arial" panose="020B0604020202020204" pitchFamily="34" charset="0"/>
-                <a:ea typeface="ＭＳ Ｐゴシック" panose="020B0600070205080204" pitchFamily="34" charset="-128"/>
-              </a:defRPr>
-            </a:lvl3pPr>
-            <a:lvl4pPr marL="1600200" indent="-228600" eaLnBrk="0" hangingPunct="0">
-              <a:defRPr>
-                <a:solidFill>
-                  <a:schemeClr val="tx1"/>
-                </a:solidFill>
-                <a:latin typeface="Arial" panose="020B0604020202020204" pitchFamily="34" charset="0"/>
-                <a:ea typeface="ＭＳ Ｐゴシック" panose="020B0600070205080204" pitchFamily="34" charset="-128"/>
-              </a:defRPr>
-            </a:lvl4pPr>
-            <a:lvl5pPr marL="2057400" indent="-228600" eaLnBrk="0" hangingPunct="0">
-              <a:defRPr>
-                <a:solidFill>
-                  <a:schemeClr val="tx1"/>
-                </a:solidFill>
-                <a:latin typeface="Arial" panose="020B0604020202020204" pitchFamily="34" charset="0"/>
-                <a:ea typeface="ＭＳ Ｐゴシック" panose="020B0600070205080204" pitchFamily="34" charset="-128"/>
-              </a:defRPr>
-            </a:lvl5pPr>
-            <a:lvl6pPr marL="2514600" indent="-228600" eaLnBrk="0" fontAlgn="base" hangingPunct="0">
-              <a:spcBef>
-                <a:spcPct val="0"/>
-              </a:spcBef>
-              <a:spcAft>
-                <a:spcPct val="0"/>
-              </a:spcAft>
-              <a:defRPr>
-                <a:solidFill>
-                  <a:schemeClr val="tx1"/>
-                </a:solidFill>
-                <a:latin typeface="Arial" panose="020B0604020202020204" pitchFamily="34" charset="0"/>
-                <a:ea typeface="ＭＳ Ｐゴシック" panose="020B0600070205080204" pitchFamily="34" charset="-128"/>
-              </a:defRPr>
-            </a:lvl6pPr>
-            <a:lvl7pPr marL="2971800" indent="-228600" eaLnBrk="0" fontAlgn="base" hangingPunct="0">
-              <a:spcBef>
-                <a:spcPct val="0"/>
-              </a:spcBef>
-              <a:spcAft>
-                <a:spcPct val="0"/>
-              </a:spcAft>
-              <a:defRPr>
-                <a:solidFill>
-                  <a:schemeClr val="tx1"/>
-                </a:solidFill>
-                <a:latin typeface="Arial" panose="020B0604020202020204" pitchFamily="34" charset="0"/>
-                <a:ea typeface="ＭＳ Ｐゴシック" panose="020B0600070205080204" pitchFamily="34" charset="-128"/>
-              </a:defRPr>
-            </a:lvl7pPr>
-            <a:lvl8pPr marL="3429000" indent="-228600" eaLnBrk="0" fontAlgn="base" hangingPunct="0">
-              <a:spcBef>
-                <a:spcPct val="0"/>
-              </a:spcBef>
-              <a:spcAft>
-                <a:spcPct val="0"/>
-              </a:spcAft>
-              <a:defRPr>
-                <a:solidFill>
-                  <a:schemeClr val="tx1"/>
-                </a:solidFill>
-                <a:latin typeface="Arial" panose="020B0604020202020204" pitchFamily="34" charset="0"/>
-                <a:ea typeface="ＭＳ Ｐゴシック" panose="020B0600070205080204" pitchFamily="34" charset="-128"/>
-              </a:defRPr>
-            </a:lvl8pPr>
-            <a:lvl9pPr marL="3886200" indent="-228600" eaLnBrk="0" fontAlgn="base" hangingPunct="0">
-              <a:spcBef>
-                <a:spcPct val="0"/>
-              </a:spcBef>
-              <a:spcAft>
-                <a:spcPct val="0"/>
-              </a:spcAft>
-              <a:defRPr>
-                <a:solidFill>
-                  <a:schemeClr val="tx1"/>
-                </a:solidFill>
-                <a:latin typeface="Arial" panose="020B0604020202020204" pitchFamily="34" charset="0"/>
-                <a:ea typeface="ＭＳ Ｐゴシック" panose="020B0600070205080204" pitchFamily="34" charset="-128"/>
-              </a:defRPr>
-            </a:lvl9pPr>
-          </a:lstStyle>
-          <a:p>
-            <a:pPr eaLnBrk="1" hangingPunct="1"/>
-            <a:endParaRPr lang="en-US" altLang="en-US"/>
-          </a:p>
-        </p:txBody>
-      </p:sp>
-      <p:sp>
-        <p:nvSpPr>
-          <p:cNvPr id="167" name="Rectangle 17">
-            <a:extLst>
-              <a:ext uri="{FF2B5EF4-FFF2-40B4-BE49-F238E27FC236}">
-                <a16:creationId xmlns:a16="http://schemas.microsoft.com/office/drawing/2014/main" id="{E5BAEBD0-CAED-0040-A082-1BFFAB029B0C}"/>
-              </a:ext>
-            </a:extLst>
-          </p:cNvPr>
-          <p:cNvSpPr>
-            <a:spLocks noChangeArrowheads="1"/>
-          </p:cNvSpPr>
-          <p:nvPr/>
-        </p:nvSpPr>
-        <p:spPr bwMode="auto">
-          <a:xfrm>
-            <a:off x="-2478793" y="3256270"/>
-            <a:ext cx="130881" cy="67381"/>
           </a:xfrm>
           <a:prstGeom prst="rect">
             <a:avLst/>
